--- a/Slides/Lesson 5.3 Lists of Lists.pptx
+++ b/Slides/Lesson 5.3 Lists of Lists.pptx
@@ -269,7 +269,7 @@
           <a:p>
             <a:fld id="{1AC50D25-69DA-4251-A3B1-10895C6A89D6}" type="datetimeFigureOut">
               <a:rPr lang="en-US" smtClean="0"/>
-              <a:t>8/9/2017</a:t>
+              <a:t>8/11/2017</a:t>
             </a:fld>
             <a:endParaRPr lang="en-US"/>
           </a:p>
@@ -1017,7 +1017,7 @@
           <a:p>
             <a:fld id="{2F1F79F5-7BEC-496A-AFC7-876E38F64D71}" type="datetime1">
               <a:rPr lang="en-US" smtClean="0"/>
-              <a:t>8/9/2017</a:t>
+              <a:t>8/11/2017</a:t>
             </a:fld>
             <a:endParaRPr lang="en-US"/>
           </a:p>
@@ -1112,7 +1112,7 @@
           <a:p>
             <a:fld id="{0A05703A-7669-4FEA-9056-25299B4D29D4}" type="datetime1">
               <a:rPr lang="en-US" smtClean="0"/>
-              <a:t>8/9/2017</a:t>
+              <a:t>8/11/2017</a:t>
             </a:fld>
             <a:endParaRPr lang="en-US"/>
           </a:p>
@@ -1387,7 +1387,7 @@
           <a:p>
             <a:fld id="{6E5077B5-BB57-49DB-88CA-226A139E5C01}" type="datetime1">
               <a:rPr lang="en-US" smtClean="0"/>
-              <a:t>8/9/2017</a:t>
+              <a:t>8/11/2017</a:t>
             </a:fld>
             <a:endParaRPr lang="en-US"/>
           </a:p>
@@ -1639,7 +1639,7 @@
           <a:p>
             <a:fld id="{C48D9447-CBD6-49A1-89FD-8512A8CF8999}" type="datetime1">
               <a:rPr lang="en-US" smtClean="0"/>
-              <a:t>8/9/2017</a:t>
+              <a:t>8/11/2017</a:t>
             </a:fld>
             <a:endParaRPr lang="en-US"/>
           </a:p>
@@ -1807,7 +1807,7 @@
           <a:p>
             <a:fld id="{A3639A2A-823D-48B7-9ACE-7FAF42870BA9}" type="datetime1">
               <a:rPr lang="en-US" smtClean="0"/>
-              <a:t>8/9/2017</a:t>
+              <a:t>8/11/2017</a:t>
             </a:fld>
             <a:endParaRPr lang="en-US"/>
           </a:p>
@@ -1985,7 +1985,7 @@
           <a:p>
             <a:fld id="{ED1B6996-82E9-463C-972C-7B56056E426C}" type="datetime1">
               <a:rPr lang="en-US" smtClean="0"/>
-              <a:t>8/9/2017</a:t>
+              <a:t>8/11/2017</a:t>
             </a:fld>
             <a:endParaRPr lang="en-US"/>
           </a:p>
@@ -2225,7 +2225,7 @@
           <a:p>
             <a:fld id="{2F1F79F5-7BEC-496A-AFC7-876E38F64D71}" type="datetime1">
               <a:rPr lang="en-US" smtClean="0"/>
-              <a:t>8/9/2017</a:t>
+              <a:t>8/11/2017</a:t>
             </a:fld>
             <a:endParaRPr lang="en-US"/>
           </a:p>
@@ -2399,7 +2399,7 @@
           <a:p>
             <a:fld id="{E22ED4DA-448D-4BB1-B935-CC112220207B}" type="datetime1">
               <a:rPr lang="en-US" smtClean="0"/>
-              <a:t>8/9/2017</a:t>
+              <a:t>8/11/2017</a:t>
             </a:fld>
             <a:endParaRPr lang="en-US"/>
           </a:p>
@@ -2572,7 +2572,7 @@
           <a:p>
             <a:fld id="{E22ED4DA-448D-4BB1-B935-CC112220207B}" type="datetime1">
               <a:rPr lang="en-US" smtClean="0"/>
-              <a:t>8/9/2017</a:t>
+              <a:t>8/11/2017</a:t>
             </a:fld>
             <a:endParaRPr lang="en-US"/>
           </a:p>
@@ -2832,7 +2832,7 @@
           <a:p>
             <a:fld id="{FF5D65A6-AB94-4435-B0B7-3743215FA46C}" type="datetime1">
               <a:rPr lang="en-US" smtClean="0"/>
-              <a:t>8/9/2017</a:t>
+              <a:t>8/11/2017</a:t>
             </a:fld>
             <a:endParaRPr lang="en-US"/>
           </a:p>
@@ -3008,7 +3008,7 @@
           <a:p>
             <a:fld id="{FF5D65A6-AB94-4435-B0B7-3743215FA46C}" type="datetime1">
               <a:rPr lang="en-US" smtClean="0"/>
-              <a:t>8/9/2017</a:t>
+              <a:t>8/11/2017</a:t>
             </a:fld>
             <a:endParaRPr lang="en-US"/>
           </a:p>
@@ -3231,7 +3231,7 @@
           <a:p>
             <a:fld id="{E22ED4DA-448D-4BB1-B935-CC112220207B}" type="datetime1">
               <a:rPr lang="en-US" smtClean="0"/>
-              <a:t>8/9/2017</a:t>
+              <a:t>8/11/2017</a:t>
             </a:fld>
             <a:endParaRPr lang="en-US"/>
           </a:p>
@@ -3476,7 +3476,7 @@
           <a:p>
             <a:fld id="{7C193DC4-6EF0-48C9-B29C-616106A645E1}" type="datetime1">
               <a:rPr lang="en-US" smtClean="0"/>
-              <a:t>8/9/2017</a:t>
+              <a:t>8/11/2017</a:t>
             </a:fld>
             <a:endParaRPr lang="en-US"/>
           </a:p>
@@ -3761,7 +3761,7 @@
           <a:p>
             <a:fld id="{5D1846AD-9252-4647-9435-4C2AC365653A}" type="datetime1">
               <a:rPr lang="en-US" smtClean="0"/>
-              <a:t>8/9/2017</a:t>
+              <a:t>8/11/2017</a:t>
             </a:fld>
             <a:endParaRPr lang="en-US"/>
           </a:p>
@@ -4180,7 +4180,7 @@
           <a:p>
             <a:fld id="{CE56DC10-3561-4063-A6AF-C1CC7A41040A}" type="datetime1">
               <a:rPr lang="en-US" smtClean="0"/>
-              <a:t>8/9/2017</a:t>
+              <a:t>8/11/2017</a:t>
             </a:fld>
             <a:endParaRPr lang="en-US"/>
           </a:p>
@@ -4297,7 +4297,7 @@
           <a:p>
             <a:fld id="{2F7B77F5-1464-4F6B-92A8-64FC8A508293}" type="datetime1">
               <a:rPr lang="en-US" smtClean="0"/>
-              <a:t>8/9/2017</a:t>
+              <a:t>8/11/2017</a:t>
             </a:fld>
             <a:endParaRPr lang="en-US"/>
           </a:p>
@@ -4392,7 +4392,7 @@
           <a:p>
             <a:fld id="{0A05703A-7669-4FEA-9056-25299B4D29D4}" type="datetime1">
               <a:rPr lang="en-US" smtClean="0"/>
-              <a:t>8/9/2017</a:t>
+              <a:t>8/11/2017</a:t>
             </a:fld>
             <a:endParaRPr lang="en-US"/>
           </a:p>
@@ -4667,7 +4667,7 @@
           <a:p>
             <a:fld id="{6E5077B5-BB57-49DB-88CA-226A139E5C01}" type="datetime1">
               <a:rPr lang="en-US" smtClean="0"/>
-              <a:t>8/9/2017</a:t>
+              <a:t>8/11/2017</a:t>
             </a:fld>
             <a:endParaRPr lang="en-US"/>
           </a:p>
@@ -4919,7 +4919,7 @@
           <a:p>
             <a:fld id="{C48D9447-CBD6-49A1-89FD-8512A8CF8999}" type="datetime1">
               <a:rPr lang="en-US" smtClean="0"/>
-              <a:t>8/9/2017</a:t>
+              <a:t>8/11/2017</a:t>
             </a:fld>
             <a:endParaRPr lang="en-US"/>
           </a:p>
@@ -5087,7 +5087,7 @@
           <a:p>
             <a:fld id="{A3639A2A-823D-48B7-9ACE-7FAF42870BA9}" type="datetime1">
               <a:rPr lang="en-US" smtClean="0"/>
-              <a:t>8/9/2017</a:t>
+              <a:t>8/11/2017</a:t>
             </a:fld>
             <a:endParaRPr lang="en-US"/>
           </a:p>
@@ -5265,7 +5265,7 @@
           <a:p>
             <a:fld id="{ED1B6996-82E9-463C-972C-7B56056E426C}" type="datetime1">
               <a:rPr lang="en-US" smtClean="0"/>
-              <a:t>8/9/2017</a:t>
+              <a:t>8/11/2017</a:t>
             </a:fld>
             <a:endParaRPr lang="en-US"/>
           </a:p>
@@ -5438,7 +5438,7 @@
           <a:p>
             <a:fld id="{E22ED4DA-448D-4BB1-B935-CC112220207B}" type="datetime1">
               <a:rPr lang="en-US" smtClean="0"/>
-              <a:t>8/9/2017</a:t>
+              <a:t>8/11/2017</a:t>
             </a:fld>
             <a:endParaRPr lang="en-US"/>
           </a:p>
@@ -5698,7 +5698,7 @@
           <a:p>
             <a:fld id="{FF5D65A6-AB94-4435-B0B7-3743215FA46C}" type="datetime1">
               <a:rPr lang="en-US" smtClean="0"/>
-              <a:t>8/9/2017</a:t>
+              <a:t>8/11/2017</a:t>
             </a:fld>
             <a:endParaRPr lang="en-US"/>
           </a:p>
@@ -5874,7 +5874,7 @@
           <a:p>
             <a:fld id="{FF5D65A6-AB94-4435-B0B7-3743215FA46C}" type="datetime1">
               <a:rPr lang="en-US" smtClean="0"/>
-              <a:t>8/9/2017</a:t>
+              <a:t>8/11/2017</a:t>
             </a:fld>
             <a:endParaRPr lang="en-US"/>
           </a:p>
@@ -6168,7 +6168,7 @@
           <a:p>
             <a:fld id="{7C193DC4-6EF0-48C9-B29C-616106A645E1}" type="datetime1">
               <a:rPr lang="en-US" smtClean="0"/>
-              <a:t>8/9/2017</a:t>
+              <a:t>8/11/2017</a:t>
             </a:fld>
             <a:endParaRPr lang="en-US"/>
           </a:p>
@@ -6453,7 +6453,7 @@
           <a:p>
             <a:fld id="{5D1846AD-9252-4647-9435-4C2AC365653A}" type="datetime1">
               <a:rPr lang="en-US" smtClean="0"/>
-              <a:t>8/9/2017</a:t>
+              <a:t>8/11/2017</a:t>
             </a:fld>
             <a:endParaRPr lang="en-US"/>
           </a:p>
@@ -6872,7 +6872,7 @@
           <a:p>
             <a:fld id="{CE56DC10-3561-4063-A6AF-C1CC7A41040A}" type="datetime1">
               <a:rPr lang="en-US" smtClean="0"/>
-              <a:t>8/9/2017</a:t>
+              <a:t>8/11/2017</a:t>
             </a:fld>
             <a:endParaRPr lang="en-US"/>
           </a:p>
@@ -6989,7 +6989,7 @@
           <a:p>
             <a:fld id="{2F7B77F5-1464-4F6B-92A8-64FC8A508293}" type="datetime1">
               <a:rPr lang="en-US" smtClean="0"/>
-              <a:t>8/9/2017</a:t>
+              <a:t>8/11/2017</a:t>
             </a:fld>
             <a:endParaRPr lang="en-US"/>
           </a:p>
@@ -7212,7 +7212,7 @@
           <a:p>
             <a:fld id="{02B3F677-983B-48DB-ADFD-63FE6CBC7FB2}" type="datetime1">
               <a:rPr lang="en-US" smtClean="0"/>
-              <a:t>8/9/2017</a:t>
+              <a:t>8/11/2017</a:t>
             </a:fld>
             <a:endParaRPr lang="en-US"/>
           </a:p>
@@ -7736,7 +7736,7 @@
           <a:p>
             <a:fld id="{02B3F677-983B-48DB-ADFD-63FE6CBC7FB2}" type="datetime1">
               <a:rPr lang="en-US" smtClean="0"/>
-              <a:t>8/9/2017</a:t>
+              <a:t>8/11/2017</a:t>
             </a:fld>
             <a:endParaRPr lang="en-US"/>
           </a:p>
@@ -9422,6 +9422,41 @@
               </a:rPr>
               <a:t>.</a:t>
             </a:r>
+          </a:p>
+        </p:txBody>
+      </p:sp>
+      <p:sp>
+        <p:nvSpPr>
+          <p:cNvPr id="55" name="Line 13"/>
+          <p:cNvSpPr>
+            <a:spLocks noChangeShapeType="1"/>
+          </p:cNvSpPr>
+          <p:nvPr/>
+        </p:nvSpPr>
+        <p:spPr bwMode="auto">
+          <a:xfrm>
+            <a:off x="1595560" y="2438400"/>
+            <a:ext cx="0" cy="533400"/>
+          </a:xfrm>
+          <a:prstGeom prst="line">
+            <a:avLst/>
+          </a:prstGeom>
+          <a:noFill/>
+          <a:ln w="9525">
+            <a:solidFill>
+              <a:schemeClr val="tx1"/>
+            </a:solidFill>
+            <a:round/>
+            <a:headEnd/>
+            <a:tailEnd type="triangle" w="med" len="med"/>
+          </a:ln>
+          <a:effectLst/>
+        </p:spPr>
+        <p:txBody>
+          <a:bodyPr wrap="none" anchor="ctr"/>
+          <a:lstStyle/>
+          <a:p>
+            <a:endParaRPr lang="en-US"/>
           </a:p>
         </p:txBody>
       </p:sp>
@@ -11100,6 +11135,41 @@
           </a:p>
         </p:txBody>
       </p:sp>
+      <p:sp>
+        <p:nvSpPr>
+          <p:cNvPr id="49" name="Line 13"/>
+          <p:cNvSpPr>
+            <a:spLocks noChangeShapeType="1"/>
+          </p:cNvSpPr>
+          <p:nvPr/>
+        </p:nvSpPr>
+        <p:spPr bwMode="auto">
+          <a:xfrm>
+            <a:off x="833702" y="3200400"/>
+            <a:ext cx="0" cy="533400"/>
+          </a:xfrm>
+          <a:prstGeom prst="line">
+            <a:avLst/>
+          </a:prstGeom>
+          <a:noFill/>
+          <a:ln w="9525">
+            <a:solidFill>
+              <a:schemeClr val="tx1"/>
+            </a:solidFill>
+            <a:round/>
+            <a:headEnd/>
+            <a:tailEnd type="triangle" w="med" len="med"/>
+          </a:ln>
+          <a:effectLst/>
+        </p:spPr>
+        <p:txBody>
+          <a:bodyPr wrap="none" anchor="ctr"/>
+          <a:lstStyle/>
+          <a:p>
+            <a:endParaRPr lang="en-US"/>
+          </a:p>
+        </p:txBody>
+      </p:sp>
     </p:spTree>
     <p:extLst>
       <p:ext uri="{BB962C8B-B14F-4D97-AF65-F5344CB8AC3E}">
@@ -19143,6 +19213,41 @@
               <a:t>A list of S-expressions is implemented as a singly-linked list.  Here is an example.</a:t>
             </a:r>
             <a:endParaRPr lang="en-US" dirty="0"/>
+          </a:p>
+        </p:txBody>
+      </p:sp>
+      <p:sp>
+        <p:nvSpPr>
+          <p:cNvPr id="19" name="Line 13"/>
+          <p:cNvSpPr>
+            <a:spLocks noChangeShapeType="1"/>
+          </p:cNvSpPr>
+          <p:nvPr/>
+        </p:nvSpPr>
+        <p:spPr bwMode="auto">
+          <a:xfrm>
+            <a:off x="3853473" y="4044951"/>
+            <a:ext cx="0" cy="533400"/>
+          </a:xfrm>
+          <a:prstGeom prst="line">
+            <a:avLst/>
+          </a:prstGeom>
+          <a:noFill/>
+          <a:ln w="9525">
+            <a:solidFill>
+              <a:schemeClr val="tx1"/>
+            </a:solidFill>
+            <a:round/>
+            <a:headEnd/>
+            <a:tailEnd type="triangle" w="med" len="med"/>
+          </a:ln>
+          <a:effectLst/>
+        </p:spPr>
+        <p:txBody>
+          <a:bodyPr wrap="none" anchor="ctr"/>
+          <a:lstStyle/>
+          <a:p>
+            <a:endParaRPr lang="en-US"/>
           </a:p>
         </p:txBody>
       </p:sp>

--- a/Slides/Lesson 5.3 Lists of Lists.pptx
+++ b/Slides/Lesson 5.3 Lists of Lists.pptx
@@ -18102,6 +18102,55 @@
               <a:t>7</a:t>
             </a:fld>
             <a:endParaRPr lang="en-US"/>
+          </a:p>
+        </p:txBody>
+      </p:sp>
+      <p:sp>
+        <p:nvSpPr>
+          <p:cNvPr id="4" name="TextBox 3"/>
+          <p:cNvSpPr txBox="1"/>
+          <p:nvPr/>
+        </p:nvSpPr>
+        <p:spPr>
+          <a:xfrm>
+            <a:off x="6096000" y="1752600"/>
+            <a:ext cx="2590800" cy="2308324"/>
+          </a:xfrm>
+          <a:prstGeom prst="rect">
+            <a:avLst/>
+          </a:prstGeom>
+          <a:solidFill>
+            <a:schemeClr val="accent4">
+              <a:lumMod val="20000"/>
+              <a:lumOff val="80000"/>
+            </a:schemeClr>
+          </a:solidFill>
+          <a:effectLst>
+            <a:outerShdw blurRad="50800" dist="38100" dir="2700000" algn="tl" rotWithShape="0">
+              <a:prstClr val="black">
+                <a:alpha val="40000"/>
+              </a:prstClr>
+            </a:outerShdw>
+          </a:effectLst>
+        </p:spPr>
+        <p:txBody>
+          <a:bodyPr wrap="square" rtlCol="0">
+            <a:spAutoFit/>
+          </a:bodyPr>
+          <a:lstStyle/>
+          <a:p>
+            <a:r>
+              <a:rPr lang="en-US" dirty="0"/>
+              <a:t>Here we’ve built S-expressions where the basic data is strings, but we could build S-expressions of numbers</a:t>
+            </a:r>
+            <a:r>
+              <a:rPr lang="en-US"/>
+              <a:t>, cats</a:t>
+            </a:r>
+            <a:r>
+              <a:rPr lang="en-US" dirty="0"/>
+              <a:t>, sardines, or whatever.  We’ll see that later in this lesson.</a:t>
+            </a:r>
           </a:p>
         </p:txBody>
       </p:sp>

--- a/Slides/Lesson 5.3 Lists of Lists.pptx
+++ b/Slides/Lesson 5.3 Lists of Lists.pptx
@@ -269,7 +269,7 @@
           <a:p>
             <a:fld id="{1AC50D25-69DA-4251-A3B1-10895C6A89D6}" type="datetimeFigureOut">
               <a:rPr lang="en-US" smtClean="0"/>
-              <a:t>8/11/2017</a:t>
+              <a:t>8/28/2017</a:t>
             </a:fld>
             <a:endParaRPr lang="en-US"/>
           </a:p>
@@ -1017,7 +1017,7 @@
           <a:p>
             <a:fld id="{2F1F79F5-7BEC-496A-AFC7-876E38F64D71}" type="datetime1">
               <a:rPr lang="en-US" smtClean="0"/>
-              <a:t>8/11/2017</a:t>
+              <a:t>8/28/2017</a:t>
             </a:fld>
             <a:endParaRPr lang="en-US"/>
           </a:p>
@@ -1112,7 +1112,7 @@
           <a:p>
             <a:fld id="{0A05703A-7669-4FEA-9056-25299B4D29D4}" type="datetime1">
               <a:rPr lang="en-US" smtClean="0"/>
-              <a:t>8/11/2017</a:t>
+              <a:t>8/28/2017</a:t>
             </a:fld>
             <a:endParaRPr lang="en-US"/>
           </a:p>
@@ -1387,7 +1387,7 @@
           <a:p>
             <a:fld id="{6E5077B5-BB57-49DB-88CA-226A139E5C01}" type="datetime1">
               <a:rPr lang="en-US" smtClean="0"/>
-              <a:t>8/11/2017</a:t>
+              <a:t>8/28/2017</a:t>
             </a:fld>
             <a:endParaRPr lang="en-US"/>
           </a:p>
@@ -1639,7 +1639,7 @@
           <a:p>
             <a:fld id="{C48D9447-CBD6-49A1-89FD-8512A8CF8999}" type="datetime1">
               <a:rPr lang="en-US" smtClean="0"/>
-              <a:t>8/11/2017</a:t>
+              <a:t>8/28/2017</a:t>
             </a:fld>
             <a:endParaRPr lang="en-US"/>
           </a:p>
@@ -1807,7 +1807,7 @@
           <a:p>
             <a:fld id="{A3639A2A-823D-48B7-9ACE-7FAF42870BA9}" type="datetime1">
               <a:rPr lang="en-US" smtClean="0"/>
-              <a:t>8/11/2017</a:t>
+              <a:t>8/28/2017</a:t>
             </a:fld>
             <a:endParaRPr lang="en-US"/>
           </a:p>
@@ -1985,7 +1985,7 @@
           <a:p>
             <a:fld id="{ED1B6996-82E9-463C-972C-7B56056E426C}" type="datetime1">
               <a:rPr lang="en-US" smtClean="0"/>
-              <a:t>8/11/2017</a:t>
+              <a:t>8/28/2017</a:t>
             </a:fld>
             <a:endParaRPr lang="en-US"/>
           </a:p>
@@ -2225,7 +2225,7 @@
           <a:p>
             <a:fld id="{2F1F79F5-7BEC-496A-AFC7-876E38F64D71}" type="datetime1">
               <a:rPr lang="en-US" smtClean="0"/>
-              <a:t>8/11/2017</a:t>
+              <a:t>8/28/2017</a:t>
             </a:fld>
             <a:endParaRPr lang="en-US"/>
           </a:p>
@@ -2399,7 +2399,7 @@
           <a:p>
             <a:fld id="{E22ED4DA-448D-4BB1-B935-CC112220207B}" type="datetime1">
               <a:rPr lang="en-US" smtClean="0"/>
-              <a:t>8/11/2017</a:t>
+              <a:t>8/28/2017</a:t>
             </a:fld>
             <a:endParaRPr lang="en-US"/>
           </a:p>
@@ -2572,7 +2572,7 @@
           <a:p>
             <a:fld id="{E22ED4DA-448D-4BB1-B935-CC112220207B}" type="datetime1">
               <a:rPr lang="en-US" smtClean="0"/>
-              <a:t>8/11/2017</a:t>
+              <a:t>8/28/2017</a:t>
             </a:fld>
             <a:endParaRPr lang="en-US"/>
           </a:p>
@@ -2832,7 +2832,7 @@
           <a:p>
             <a:fld id="{FF5D65A6-AB94-4435-B0B7-3743215FA46C}" type="datetime1">
               <a:rPr lang="en-US" smtClean="0"/>
-              <a:t>8/11/2017</a:t>
+              <a:t>8/28/2017</a:t>
             </a:fld>
             <a:endParaRPr lang="en-US"/>
           </a:p>
@@ -3008,7 +3008,7 @@
           <a:p>
             <a:fld id="{FF5D65A6-AB94-4435-B0B7-3743215FA46C}" type="datetime1">
               <a:rPr lang="en-US" smtClean="0"/>
-              <a:t>8/11/2017</a:t>
+              <a:t>8/28/2017</a:t>
             </a:fld>
             <a:endParaRPr lang="en-US"/>
           </a:p>
@@ -3231,7 +3231,7 @@
           <a:p>
             <a:fld id="{E22ED4DA-448D-4BB1-B935-CC112220207B}" type="datetime1">
               <a:rPr lang="en-US" smtClean="0"/>
-              <a:t>8/11/2017</a:t>
+              <a:t>8/28/2017</a:t>
             </a:fld>
             <a:endParaRPr lang="en-US"/>
           </a:p>
@@ -3476,7 +3476,7 @@
           <a:p>
             <a:fld id="{7C193DC4-6EF0-48C9-B29C-616106A645E1}" type="datetime1">
               <a:rPr lang="en-US" smtClean="0"/>
-              <a:t>8/11/2017</a:t>
+              <a:t>8/28/2017</a:t>
             </a:fld>
             <a:endParaRPr lang="en-US"/>
           </a:p>
@@ -3761,7 +3761,7 @@
           <a:p>
             <a:fld id="{5D1846AD-9252-4647-9435-4C2AC365653A}" type="datetime1">
               <a:rPr lang="en-US" smtClean="0"/>
-              <a:t>8/11/2017</a:t>
+              <a:t>8/28/2017</a:t>
             </a:fld>
             <a:endParaRPr lang="en-US"/>
           </a:p>
@@ -4180,7 +4180,7 @@
           <a:p>
             <a:fld id="{CE56DC10-3561-4063-A6AF-C1CC7A41040A}" type="datetime1">
               <a:rPr lang="en-US" smtClean="0"/>
-              <a:t>8/11/2017</a:t>
+              <a:t>8/28/2017</a:t>
             </a:fld>
             <a:endParaRPr lang="en-US"/>
           </a:p>
@@ -4297,7 +4297,7 @@
           <a:p>
             <a:fld id="{2F7B77F5-1464-4F6B-92A8-64FC8A508293}" type="datetime1">
               <a:rPr lang="en-US" smtClean="0"/>
-              <a:t>8/11/2017</a:t>
+              <a:t>8/28/2017</a:t>
             </a:fld>
             <a:endParaRPr lang="en-US"/>
           </a:p>
@@ -4392,7 +4392,7 @@
           <a:p>
             <a:fld id="{0A05703A-7669-4FEA-9056-25299B4D29D4}" type="datetime1">
               <a:rPr lang="en-US" smtClean="0"/>
-              <a:t>8/11/2017</a:t>
+              <a:t>8/28/2017</a:t>
             </a:fld>
             <a:endParaRPr lang="en-US"/>
           </a:p>
@@ -4667,7 +4667,7 @@
           <a:p>
             <a:fld id="{6E5077B5-BB57-49DB-88CA-226A139E5C01}" type="datetime1">
               <a:rPr lang="en-US" smtClean="0"/>
-              <a:t>8/11/2017</a:t>
+              <a:t>8/28/2017</a:t>
             </a:fld>
             <a:endParaRPr lang="en-US"/>
           </a:p>
@@ -4919,7 +4919,7 @@
           <a:p>
             <a:fld id="{C48D9447-CBD6-49A1-89FD-8512A8CF8999}" type="datetime1">
               <a:rPr lang="en-US" smtClean="0"/>
-              <a:t>8/11/2017</a:t>
+              <a:t>8/28/2017</a:t>
             </a:fld>
             <a:endParaRPr lang="en-US"/>
           </a:p>
@@ -5087,7 +5087,7 @@
           <a:p>
             <a:fld id="{A3639A2A-823D-48B7-9ACE-7FAF42870BA9}" type="datetime1">
               <a:rPr lang="en-US" smtClean="0"/>
-              <a:t>8/11/2017</a:t>
+              <a:t>8/28/2017</a:t>
             </a:fld>
             <a:endParaRPr lang="en-US"/>
           </a:p>
@@ -5265,7 +5265,7 @@
           <a:p>
             <a:fld id="{ED1B6996-82E9-463C-972C-7B56056E426C}" type="datetime1">
               <a:rPr lang="en-US" smtClean="0"/>
-              <a:t>8/11/2017</a:t>
+              <a:t>8/28/2017</a:t>
             </a:fld>
             <a:endParaRPr lang="en-US"/>
           </a:p>
@@ -5438,7 +5438,7 @@
           <a:p>
             <a:fld id="{E22ED4DA-448D-4BB1-B935-CC112220207B}" type="datetime1">
               <a:rPr lang="en-US" smtClean="0"/>
-              <a:t>8/11/2017</a:t>
+              <a:t>8/28/2017</a:t>
             </a:fld>
             <a:endParaRPr lang="en-US"/>
           </a:p>
@@ -5698,7 +5698,7 @@
           <a:p>
             <a:fld id="{FF5D65A6-AB94-4435-B0B7-3743215FA46C}" type="datetime1">
               <a:rPr lang="en-US" smtClean="0"/>
-              <a:t>8/11/2017</a:t>
+              <a:t>8/28/2017</a:t>
             </a:fld>
             <a:endParaRPr lang="en-US"/>
           </a:p>
@@ -5874,7 +5874,7 @@
           <a:p>
             <a:fld id="{FF5D65A6-AB94-4435-B0B7-3743215FA46C}" type="datetime1">
               <a:rPr lang="en-US" smtClean="0"/>
-              <a:t>8/11/2017</a:t>
+              <a:t>8/28/2017</a:t>
             </a:fld>
             <a:endParaRPr lang="en-US"/>
           </a:p>
@@ -6168,7 +6168,7 @@
           <a:p>
             <a:fld id="{7C193DC4-6EF0-48C9-B29C-616106A645E1}" type="datetime1">
               <a:rPr lang="en-US" smtClean="0"/>
-              <a:t>8/11/2017</a:t>
+              <a:t>8/28/2017</a:t>
             </a:fld>
             <a:endParaRPr lang="en-US"/>
           </a:p>
@@ -6453,7 +6453,7 @@
           <a:p>
             <a:fld id="{5D1846AD-9252-4647-9435-4C2AC365653A}" type="datetime1">
               <a:rPr lang="en-US" smtClean="0"/>
-              <a:t>8/11/2017</a:t>
+              <a:t>8/28/2017</a:t>
             </a:fld>
             <a:endParaRPr lang="en-US"/>
           </a:p>
@@ -6872,7 +6872,7 @@
           <a:p>
             <a:fld id="{CE56DC10-3561-4063-A6AF-C1CC7A41040A}" type="datetime1">
               <a:rPr lang="en-US" smtClean="0"/>
-              <a:t>8/11/2017</a:t>
+              <a:t>8/28/2017</a:t>
             </a:fld>
             <a:endParaRPr lang="en-US"/>
           </a:p>
@@ -6989,7 +6989,7 @@
           <a:p>
             <a:fld id="{2F7B77F5-1464-4F6B-92A8-64FC8A508293}" type="datetime1">
               <a:rPr lang="en-US" smtClean="0"/>
-              <a:t>8/11/2017</a:t>
+              <a:t>8/28/2017</a:t>
             </a:fld>
             <a:endParaRPr lang="en-US"/>
           </a:p>
@@ -7212,7 +7212,7 @@
           <a:p>
             <a:fld id="{02B3F677-983B-48DB-ADFD-63FE6CBC7FB2}" type="datetime1">
               <a:rPr lang="en-US" smtClean="0"/>
-              <a:t>8/11/2017</a:t>
+              <a:t>8/28/2017</a:t>
             </a:fld>
             <a:endParaRPr lang="en-US"/>
           </a:p>
@@ -7736,7 +7736,7 @@
           <a:p>
             <a:fld id="{02B3F677-983B-48DB-ADFD-63FE6CBC7FB2}" type="datetime1">
               <a:rPr lang="en-US" smtClean="0"/>
-              <a:t>8/11/2017</a:t>
+              <a:t>8/28/2017</a:t>
             </a:fld>
             <a:endParaRPr lang="en-US"/>
           </a:p>
@@ -18772,437 +18772,6 @@
           </a:p>
         </p:txBody>
       </p:sp>
-      <p:grpSp>
-        <p:nvGrpSpPr>
-          <p:cNvPr id="4" name="Group 4"/>
-          <p:cNvGrpSpPr>
-            <a:grpSpLocks/>
-          </p:cNvGrpSpPr>
-          <p:nvPr/>
-        </p:nvGrpSpPr>
-        <p:grpSpPr bwMode="auto">
-          <a:xfrm>
-            <a:off x="3619500" y="4578351"/>
-            <a:ext cx="2933700" cy="1071563"/>
-            <a:chOff x="2493" y="1488"/>
-            <a:chExt cx="1152" cy="675"/>
-          </a:xfrm>
-        </p:grpSpPr>
-        <p:grpSp>
-          <p:nvGrpSpPr>
-            <p:cNvPr id="5" name="Group 5"/>
-            <p:cNvGrpSpPr>
-              <a:grpSpLocks/>
-            </p:cNvGrpSpPr>
-            <p:nvPr/>
-          </p:nvGrpSpPr>
-          <p:grpSpPr bwMode="auto">
-            <a:xfrm>
-              <a:off x="2493" y="1488"/>
-              <a:ext cx="480" cy="192"/>
-              <a:chOff x="1392" y="1536"/>
-              <a:chExt cx="480" cy="192"/>
-            </a:xfrm>
-          </p:grpSpPr>
-          <p:sp>
-            <p:nvSpPr>
-              <p:cNvPr id="15" name="Rectangle 6"/>
-              <p:cNvSpPr>
-                <a:spLocks noChangeArrowheads="1"/>
-              </p:cNvSpPr>
-              <p:nvPr/>
-            </p:nvSpPr>
-            <p:spPr bwMode="auto">
-              <a:xfrm>
-                <a:off x="1392" y="1536"/>
-                <a:ext cx="240" cy="192"/>
-              </a:xfrm>
-              <a:prstGeom prst="rect">
-                <a:avLst/>
-              </a:prstGeom>
-              <a:noFill/>
-              <a:ln w="9525">
-                <a:solidFill>
-                  <a:schemeClr val="tx1"/>
-                </a:solidFill>
-                <a:miter lim="800000"/>
-                <a:headEnd/>
-                <a:tailEnd/>
-              </a:ln>
-              <a:effectLst/>
-            </p:spPr>
-            <p:txBody>
-              <a:bodyPr wrap="none" anchor="ctr"/>
-              <a:lstStyle/>
-              <a:p>
-                <a:endParaRPr lang="en-US"/>
-              </a:p>
-            </p:txBody>
-          </p:sp>
-          <p:sp>
-            <p:nvSpPr>
-              <p:cNvPr id="16" name="Rectangle 7"/>
-              <p:cNvSpPr>
-                <a:spLocks noChangeArrowheads="1"/>
-              </p:cNvSpPr>
-              <p:nvPr/>
-            </p:nvSpPr>
-            <p:spPr bwMode="auto">
-              <a:xfrm>
-                <a:off x="1632" y="1536"/>
-                <a:ext cx="240" cy="192"/>
-              </a:xfrm>
-              <a:prstGeom prst="rect">
-                <a:avLst/>
-              </a:prstGeom>
-              <a:noFill/>
-              <a:ln w="9525">
-                <a:solidFill>
-                  <a:schemeClr val="tx1"/>
-                </a:solidFill>
-                <a:miter lim="800000"/>
-                <a:headEnd/>
-                <a:tailEnd/>
-              </a:ln>
-              <a:effectLst/>
-            </p:spPr>
-            <p:txBody>
-              <a:bodyPr wrap="none" anchor="ctr"/>
-              <a:lstStyle/>
-              <a:p>
-                <a:endParaRPr lang="en-US"/>
-              </a:p>
-            </p:txBody>
-          </p:sp>
-        </p:grpSp>
-        <p:grpSp>
-          <p:nvGrpSpPr>
-            <p:cNvPr id="6" name="Group 8"/>
-            <p:cNvGrpSpPr>
-              <a:grpSpLocks/>
-            </p:cNvGrpSpPr>
-            <p:nvPr/>
-          </p:nvGrpSpPr>
-          <p:grpSpPr bwMode="auto">
-            <a:xfrm>
-              <a:off x="3165" y="1488"/>
-              <a:ext cx="480" cy="192"/>
-              <a:chOff x="1392" y="1536"/>
-              <a:chExt cx="480" cy="192"/>
-            </a:xfrm>
-          </p:grpSpPr>
-          <p:sp>
-            <p:nvSpPr>
-              <p:cNvPr id="13" name="Rectangle 9"/>
-              <p:cNvSpPr>
-                <a:spLocks noChangeArrowheads="1"/>
-              </p:cNvSpPr>
-              <p:nvPr/>
-            </p:nvSpPr>
-            <p:spPr bwMode="auto">
-              <a:xfrm>
-                <a:off x="1392" y="1536"/>
-                <a:ext cx="240" cy="192"/>
-              </a:xfrm>
-              <a:prstGeom prst="rect">
-                <a:avLst/>
-              </a:prstGeom>
-              <a:noFill/>
-              <a:ln w="9525">
-                <a:solidFill>
-                  <a:schemeClr val="tx1"/>
-                </a:solidFill>
-                <a:miter lim="800000"/>
-                <a:headEnd/>
-                <a:tailEnd/>
-              </a:ln>
-              <a:effectLst/>
-            </p:spPr>
-            <p:txBody>
-              <a:bodyPr wrap="none" anchor="ctr"/>
-              <a:lstStyle/>
-              <a:p>
-                <a:endParaRPr lang="en-US"/>
-              </a:p>
-            </p:txBody>
-          </p:sp>
-          <p:sp>
-            <p:nvSpPr>
-              <p:cNvPr id="14" name="Rectangle 10"/>
-              <p:cNvSpPr>
-                <a:spLocks noChangeArrowheads="1"/>
-              </p:cNvSpPr>
-              <p:nvPr/>
-            </p:nvSpPr>
-            <p:spPr bwMode="auto">
-              <a:xfrm>
-                <a:off x="1632" y="1536"/>
-                <a:ext cx="240" cy="192"/>
-              </a:xfrm>
-              <a:prstGeom prst="rect">
-                <a:avLst/>
-              </a:prstGeom>
-              <a:noFill/>
-              <a:ln w="9525">
-                <a:solidFill>
-                  <a:schemeClr val="tx1"/>
-                </a:solidFill>
-                <a:miter lim="800000"/>
-                <a:headEnd/>
-                <a:tailEnd/>
-              </a:ln>
-              <a:effectLst/>
-            </p:spPr>
-            <p:txBody>
-              <a:bodyPr wrap="none" anchor="ctr"/>
-              <a:lstStyle/>
-              <a:p>
-                <a:endParaRPr lang="en-US"/>
-              </a:p>
-            </p:txBody>
-          </p:sp>
-        </p:grpSp>
-        <p:sp>
-          <p:nvSpPr>
-            <p:cNvPr id="7" name="Line 11"/>
-            <p:cNvSpPr>
-              <a:spLocks noChangeShapeType="1"/>
-            </p:cNvSpPr>
-            <p:nvPr/>
-          </p:nvSpPr>
-          <p:spPr bwMode="auto">
-            <a:xfrm>
-              <a:off x="2829" y="1584"/>
-              <a:ext cx="336" cy="0"/>
-            </a:xfrm>
-            <a:prstGeom prst="line">
-              <a:avLst/>
-            </a:prstGeom>
-            <a:noFill/>
-            <a:ln w="9525">
-              <a:solidFill>
-                <a:schemeClr val="tx1"/>
-              </a:solidFill>
-              <a:round/>
-              <a:headEnd/>
-              <a:tailEnd type="triangle" w="med" len="med"/>
-            </a:ln>
-            <a:effectLst/>
-          </p:spPr>
-          <p:txBody>
-            <a:bodyPr wrap="none" anchor="ctr"/>
-            <a:lstStyle/>
-            <a:p>
-              <a:endParaRPr lang="en-US"/>
-            </a:p>
-          </p:txBody>
-        </p:sp>
-        <p:sp>
-          <p:nvSpPr>
-            <p:cNvPr id="8" name="Line 12"/>
-            <p:cNvSpPr>
-              <a:spLocks noChangeShapeType="1"/>
-            </p:cNvSpPr>
-            <p:nvPr/>
-          </p:nvSpPr>
-          <p:spPr bwMode="auto">
-            <a:xfrm>
-              <a:off x="3405" y="1488"/>
-              <a:ext cx="240" cy="192"/>
-            </a:xfrm>
-            <a:prstGeom prst="line">
-              <a:avLst/>
-            </a:prstGeom>
-            <a:noFill/>
-            <a:ln w="9525">
-              <a:solidFill>
-                <a:schemeClr val="tx1"/>
-              </a:solidFill>
-              <a:round/>
-              <a:headEnd/>
-              <a:tailEnd/>
-            </a:ln>
-            <a:effectLst/>
-          </p:spPr>
-          <p:txBody>
-            <a:bodyPr wrap="none" anchor="ctr"/>
-            <a:lstStyle/>
-            <a:p>
-              <a:endParaRPr lang="en-US"/>
-            </a:p>
-          </p:txBody>
-        </p:sp>
-        <p:sp>
-          <p:nvSpPr>
-            <p:cNvPr id="9" name="Line 13"/>
-            <p:cNvSpPr>
-              <a:spLocks noChangeShapeType="1"/>
-            </p:cNvSpPr>
-            <p:nvPr/>
-          </p:nvSpPr>
-          <p:spPr bwMode="auto">
-            <a:xfrm>
-              <a:off x="2589" y="1584"/>
-              <a:ext cx="0" cy="336"/>
-            </a:xfrm>
-            <a:prstGeom prst="line">
-              <a:avLst/>
-            </a:prstGeom>
-            <a:noFill/>
-            <a:ln w="9525">
-              <a:solidFill>
-                <a:schemeClr val="tx1"/>
-              </a:solidFill>
-              <a:round/>
-              <a:headEnd/>
-              <a:tailEnd type="triangle" w="med" len="med"/>
-            </a:ln>
-            <a:effectLst/>
-          </p:spPr>
-          <p:txBody>
-            <a:bodyPr wrap="none" anchor="ctr"/>
-            <a:lstStyle/>
-            <a:p>
-              <a:endParaRPr lang="en-US"/>
-            </a:p>
-          </p:txBody>
-        </p:sp>
-        <p:sp>
-          <p:nvSpPr>
-            <p:cNvPr id="10" name="Line 14"/>
-            <p:cNvSpPr>
-              <a:spLocks noChangeShapeType="1"/>
-            </p:cNvSpPr>
-            <p:nvPr/>
-          </p:nvSpPr>
-          <p:spPr bwMode="auto">
-            <a:xfrm>
-              <a:off x="3261" y="1584"/>
-              <a:ext cx="0" cy="336"/>
-            </a:xfrm>
-            <a:prstGeom prst="line">
-              <a:avLst/>
-            </a:prstGeom>
-            <a:noFill/>
-            <a:ln w="9525">
-              <a:solidFill>
-                <a:schemeClr val="tx1"/>
-              </a:solidFill>
-              <a:round/>
-              <a:headEnd/>
-              <a:tailEnd type="triangle" w="med" len="med"/>
-            </a:ln>
-            <a:effectLst/>
-          </p:spPr>
-          <p:txBody>
-            <a:bodyPr wrap="none" anchor="ctr"/>
-            <a:lstStyle/>
-            <a:p>
-              <a:endParaRPr lang="en-US"/>
-            </a:p>
-          </p:txBody>
-        </p:sp>
-        <p:sp>
-          <p:nvSpPr>
-            <p:cNvPr id="11" name="Text Box 15"/>
-            <p:cNvSpPr txBox="1">
-              <a:spLocks noChangeArrowheads="1"/>
-            </p:cNvSpPr>
-            <p:nvPr/>
-          </p:nvSpPr>
-          <p:spPr bwMode="auto">
-            <a:xfrm>
-              <a:off x="2501" y="1872"/>
-              <a:ext cx="540" cy="291"/>
-            </a:xfrm>
-            <a:prstGeom prst="rect">
-              <a:avLst/>
-            </a:prstGeom>
-            <a:noFill/>
-            <a:ln w="9525">
-              <a:noFill/>
-              <a:miter lim="800000"/>
-              <a:headEnd/>
-              <a:tailEnd/>
-            </a:ln>
-            <a:effectLst/>
-          </p:spPr>
-          <p:txBody>
-            <a:bodyPr wrap="none">
-              <a:spAutoFit/>
-            </a:bodyPr>
-            <a:lstStyle/>
-            <a:p>
-              <a:r>
-                <a:rPr lang="en-US" sz="2400" b="1" dirty="0">
-                  <a:latin typeface="Consolas" pitchFamily="49" charset="0"/>
-                  <a:cs typeface="Consolas" pitchFamily="49" charset="0"/>
-                </a:rPr>
-                <a:t>"</a:t>
-              </a:r>
-              <a:r>
-                <a:rPr lang="en-US" sz="2400" b="1" dirty="0" err="1">
-                  <a:latin typeface="Consolas" pitchFamily="49" charset="0"/>
-                  <a:cs typeface="Consolas" pitchFamily="49" charset="0"/>
-                </a:rPr>
-                <a:t>alice</a:t>
-              </a:r>
-              <a:r>
-                <a:rPr lang="en-US" sz="2400" b="1" dirty="0">
-                  <a:latin typeface="Consolas" pitchFamily="49" charset="0"/>
-                  <a:cs typeface="Consolas" pitchFamily="49" charset="0"/>
-                </a:rPr>
-                <a:t>"</a:t>
-              </a:r>
-              <a:endParaRPr lang="en-US" sz="2400" b="1" i="0" dirty="0">
-                <a:latin typeface="Consolas" pitchFamily="49" charset="0"/>
-                <a:cs typeface="Consolas" pitchFamily="49" charset="0"/>
-              </a:endParaRPr>
-            </a:p>
-          </p:txBody>
-        </p:sp>
-        <p:sp>
-          <p:nvSpPr>
-            <p:cNvPr id="12" name="Text Box 16"/>
-            <p:cNvSpPr txBox="1">
-              <a:spLocks noChangeArrowheads="1"/>
-            </p:cNvSpPr>
-            <p:nvPr/>
-          </p:nvSpPr>
-          <p:spPr bwMode="auto">
-            <a:xfrm>
-              <a:off x="3161" y="1872"/>
-              <a:ext cx="406" cy="291"/>
-            </a:xfrm>
-            <a:prstGeom prst="rect">
-              <a:avLst/>
-            </a:prstGeom>
-            <a:noFill/>
-            <a:ln w="9525">
-              <a:noFill/>
-              <a:miter lim="800000"/>
-              <a:headEnd/>
-              <a:tailEnd/>
-            </a:ln>
-            <a:effectLst/>
-          </p:spPr>
-          <p:txBody>
-            <a:bodyPr wrap="none">
-              <a:spAutoFit/>
-            </a:bodyPr>
-            <a:lstStyle/>
-            <a:p>
-              <a:r>
-                <a:rPr lang="en-US" sz="2400" b="1" i="0" dirty="0">
-                  <a:latin typeface="Consolas" pitchFamily="49" charset="0"/>
-                  <a:cs typeface="Consolas" pitchFamily="49" charset="0"/>
-                </a:rPr>
-                <a:t>"bob"</a:t>
-              </a:r>
-            </a:p>
-          </p:txBody>
-        </p:sp>
-      </p:grpSp>
       <p:sp>
         <p:nvSpPr>
           <p:cNvPr id="17" name="Rectangle 16"/>
@@ -19265,41 +18834,487 @@
           </a:p>
         </p:txBody>
       </p:sp>
-      <p:sp>
-        <p:nvSpPr>
-          <p:cNvPr id="19" name="Line 13"/>
-          <p:cNvSpPr>
-            <a:spLocks noChangeShapeType="1"/>
-          </p:cNvSpPr>
+      <p:grpSp>
+        <p:nvGrpSpPr>
+          <p:cNvPr id="20" name="Group 19"/>
+          <p:cNvGrpSpPr/>
           <p:nvPr/>
-        </p:nvSpPr>
-        <p:spPr bwMode="auto">
+        </p:nvGrpSpPr>
+        <p:grpSpPr>
           <a:xfrm>
-            <a:off x="3853473" y="4044951"/>
-            <a:ext cx="0" cy="533400"/>
+            <a:off x="3619500" y="4044951"/>
+            <a:ext cx="2933700" cy="1604963"/>
+            <a:chOff x="3619500" y="4044951"/>
+            <a:chExt cx="2933700" cy="1604963"/>
           </a:xfrm>
-          <a:prstGeom prst="line">
-            <a:avLst/>
-          </a:prstGeom>
-          <a:noFill/>
-          <a:ln w="9525">
-            <a:solidFill>
-              <a:schemeClr val="tx1"/>
-            </a:solidFill>
-            <a:round/>
-            <a:headEnd/>
-            <a:tailEnd type="triangle" w="med" len="med"/>
-          </a:ln>
-          <a:effectLst/>
-        </p:spPr>
-        <p:txBody>
-          <a:bodyPr wrap="none" anchor="ctr"/>
-          <a:lstStyle/>
-          <a:p>
-            <a:endParaRPr lang="en-US"/>
-          </a:p>
-        </p:txBody>
-      </p:sp>
+        </p:grpSpPr>
+        <p:grpSp>
+          <p:nvGrpSpPr>
+            <p:cNvPr id="4" name="Group 4"/>
+            <p:cNvGrpSpPr>
+              <a:grpSpLocks/>
+            </p:cNvGrpSpPr>
+            <p:nvPr/>
+          </p:nvGrpSpPr>
+          <p:grpSpPr bwMode="auto">
+            <a:xfrm>
+              <a:off x="3619500" y="4578351"/>
+              <a:ext cx="2933700" cy="1071563"/>
+              <a:chOff x="2493" y="1488"/>
+              <a:chExt cx="1152" cy="675"/>
+            </a:xfrm>
+          </p:grpSpPr>
+          <p:grpSp>
+            <p:nvGrpSpPr>
+              <p:cNvPr id="5" name="Group 5"/>
+              <p:cNvGrpSpPr>
+                <a:grpSpLocks/>
+              </p:cNvGrpSpPr>
+              <p:nvPr/>
+            </p:nvGrpSpPr>
+            <p:grpSpPr bwMode="auto">
+              <a:xfrm>
+                <a:off x="2493" y="1488"/>
+                <a:ext cx="480" cy="192"/>
+                <a:chOff x="1392" y="1536"/>
+                <a:chExt cx="480" cy="192"/>
+              </a:xfrm>
+            </p:grpSpPr>
+            <p:sp>
+              <p:nvSpPr>
+                <p:cNvPr id="15" name="Rectangle 6"/>
+                <p:cNvSpPr>
+                  <a:spLocks noChangeArrowheads="1"/>
+                </p:cNvSpPr>
+                <p:nvPr/>
+              </p:nvSpPr>
+              <p:spPr bwMode="auto">
+                <a:xfrm>
+                  <a:off x="1392" y="1536"/>
+                  <a:ext cx="240" cy="192"/>
+                </a:xfrm>
+                <a:prstGeom prst="rect">
+                  <a:avLst/>
+                </a:prstGeom>
+                <a:noFill/>
+                <a:ln w="9525">
+                  <a:solidFill>
+                    <a:schemeClr val="tx1"/>
+                  </a:solidFill>
+                  <a:miter lim="800000"/>
+                  <a:headEnd/>
+                  <a:tailEnd/>
+                </a:ln>
+                <a:effectLst/>
+              </p:spPr>
+              <p:txBody>
+                <a:bodyPr wrap="none" anchor="ctr"/>
+                <a:lstStyle/>
+                <a:p>
+                  <a:endParaRPr lang="en-US"/>
+                </a:p>
+              </p:txBody>
+            </p:sp>
+            <p:sp>
+              <p:nvSpPr>
+                <p:cNvPr id="16" name="Rectangle 7"/>
+                <p:cNvSpPr>
+                  <a:spLocks noChangeArrowheads="1"/>
+                </p:cNvSpPr>
+                <p:nvPr/>
+              </p:nvSpPr>
+              <p:spPr bwMode="auto">
+                <a:xfrm>
+                  <a:off x="1632" y="1536"/>
+                  <a:ext cx="240" cy="192"/>
+                </a:xfrm>
+                <a:prstGeom prst="rect">
+                  <a:avLst/>
+                </a:prstGeom>
+                <a:noFill/>
+                <a:ln w="9525">
+                  <a:solidFill>
+                    <a:schemeClr val="tx1"/>
+                  </a:solidFill>
+                  <a:miter lim="800000"/>
+                  <a:headEnd/>
+                  <a:tailEnd/>
+                </a:ln>
+                <a:effectLst/>
+              </p:spPr>
+              <p:txBody>
+                <a:bodyPr wrap="none" anchor="ctr"/>
+                <a:lstStyle/>
+                <a:p>
+                  <a:endParaRPr lang="en-US"/>
+                </a:p>
+              </p:txBody>
+            </p:sp>
+          </p:grpSp>
+          <p:grpSp>
+            <p:nvGrpSpPr>
+              <p:cNvPr id="6" name="Group 8"/>
+              <p:cNvGrpSpPr>
+                <a:grpSpLocks/>
+              </p:cNvGrpSpPr>
+              <p:nvPr/>
+            </p:nvGrpSpPr>
+            <p:grpSpPr bwMode="auto">
+              <a:xfrm>
+                <a:off x="3165" y="1488"/>
+                <a:ext cx="480" cy="192"/>
+                <a:chOff x="1392" y="1536"/>
+                <a:chExt cx="480" cy="192"/>
+              </a:xfrm>
+            </p:grpSpPr>
+            <p:sp>
+              <p:nvSpPr>
+                <p:cNvPr id="13" name="Rectangle 9"/>
+                <p:cNvSpPr>
+                  <a:spLocks noChangeArrowheads="1"/>
+                </p:cNvSpPr>
+                <p:nvPr/>
+              </p:nvSpPr>
+              <p:spPr bwMode="auto">
+                <a:xfrm>
+                  <a:off x="1392" y="1536"/>
+                  <a:ext cx="240" cy="192"/>
+                </a:xfrm>
+                <a:prstGeom prst="rect">
+                  <a:avLst/>
+                </a:prstGeom>
+                <a:noFill/>
+                <a:ln w="9525">
+                  <a:solidFill>
+                    <a:schemeClr val="tx1"/>
+                  </a:solidFill>
+                  <a:miter lim="800000"/>
+                  <a:headEnd/>
+                  <a:tailEnd/>
+                </a:ln>
+                <a:effectLst/>
+              </p:spPr>
+              <p:txBody>
+                <a:bodyPr wrap="none" anchor="ctr"/>
+                <a:lstStyle/>
+                <a:p>
+                  <a:endParaRPr lang="en-US"/>
+                </a:p>
+              </p:txBody>
+            </p:sp>
+            <p:sp>
+              <p:nvSpPr>
+                <p:cNvPr id="14" name="Rectangle 10"/>
+                <p:cNvSpPr>
+                  <a:spLocks noChangeArrowheads="1"/>
+                </p:cNvSpPr>
+                <p:nvPr/>
+              </p:nvSpPr>
+              <p:spPr bwMode="auto">
+                <a:xfrm>
+                  <a:off x="1632" y="1536"/>
+                  <a:ext cx="240" cy="192"/>
+                </a:xfrm>
+                <a:prstGeom prst="rect">
+                  <a:avLst/>
+                </a:prstGeom>
+                <a:noFill/>
+                <a:ln w="9525">
+                  <a:solidFill>
+                    <a:schemeClr val="tx1"/>
+                  </a:solidFill>
+                  <a:miter lim="800000"/>
+                  <a:headEnd/>
+                  <a:tailEnd/>
+                </a:ln>
+                <a:effectLst/>
+              </p:spPr>
+              <p:txBody>
+                <a:bodyPr wrap="none" anchor="ctr"/>
+                <a:lstStyle/>
+                <a:p>
+                  <a:endParaRPr lang="en-US"/>
+                </a:p>
+              </p:txBody>
+            </p:sp>
+          </p:grpSp>
+          <p:sp>
+            <p:nvSpPr>
+              <p:cNvPr id="7" name="Line 11"/>
+              <p:cNvSpPr>
+                <a:spLocks noChangeShapeType="1"/>
+              </p:cNvSpPr>
+              <p:nvPr/>
+            </p:nvSpPr>
+            <p:spPr bwMode="auto">
+              <a:xfrm>
+                <a:off x="2829" y="1584"/>
+                <a:ext cx="336" cy="0"/>
+              </a:xfrm>
+              <a:prstGeom prst="line">
+                <a:avLst/>
+              </a:prstGeom>
+              <a:noFill/>
+              <a:ln w="9525">
+                <a:solidFill>
+                  <a:schemeClr val="tx1"/>
+                </a:solidFill>
+                <a:round/>
+                <a:headEnd/>
+                <a:tailEnd type="triangle" w="med" len="med"/>
+              </a:ln>
+              <a:effectLst/>
+            </p:spPr>
+            <p:txBody>
+              <a:bodyPr wrap="none" anchor="ctr"/>
+              <a:lstStyle/>
+              <a:p>
+                <a:endParaRPr lang="en-US"/>
+              </a:p>
+            </p:txBody>
+          </p:sp>
+          <p:sp>
+            <p:nvSpPr>
+              <p:cNvPr id="8" name="Line 12"/>
+              <p:cNvSpPr>
+                <a:spLocks noChangeShapeType="1"/>
+              </p:cNvSpPr>
+              <p:nvPr/>
+            </p:nvSpPr>
+            <p:spPr bwMode="auto">
+              <a:xfrm>
+                <a:off x="3405" y="1488"/>
+                <a:ext cx="240" cy="192"/>
+              </a:xfrm>
+              <a:prstGeom prst="line">
+                <a:avLst/>
+              </a:prstGeom>
+              <a:noFill/>
+              <a:ln w="9525">
+                <a:solidFill>
+                  <a:schemeClr val="tx1"/>
+                </a:solidFill>
+                <a:round/>
+                <a:headEnd/>
+                <a:tailEnd/>
+              </a:ln>
+              <a:effectLst/>
+            </p:spPr>
+            <p:txBody>
+              <a:bodyPr wrap="none" anchor="ctr"/>
+              <a:lstStyle/>
+              <a:p>
+                <a:endParaRPr lang="en-US"/>
+              </a:p>
+            </p:txBody>
+          </p:sp>
+          <p:sp>
+            <p:nvSpPr>
+              <p:cNvPr id="9" name="Line 13"/>
+              <p:cNvSpPr>
+                <a:spLocks noChangeShapeType="1"/>
+              </p:cNvSpPr>
+              <p:nvPr/>
+            </p:nvSpPr>
+            <p:spPr bwMode="auto">
+              <a:xfrm>
+                <a:off x="2589" y="1584"/>
+                <a:ext cx="0" cy="336"/>
+              </a:xfrm>
+              <a:prstGeom prst="line">
+                <a:avLst/>
+              </a:prstGeom>
+              <a:noFill/>
+              <a:ln w="9525">
+                <a:solidFill>
+                  <a:schemeClr val="tx1"/>
+                </a:solidFill>
+                <a:round/>
+                <a:headEnd/>
+                <a:tailEnd type="triangle" w="med" len="med"/>
+              </a:ln>
+              <a:effectLst/>
+            </p:spPr>
+            <p:txBody>
+              <a:bodyPr wrap="none" anchor="ctr"/>
+              <a:lstStyle/>
+              <a:p>
+                <a:endParaRPr lang="en-US"/>
+              </a:p>
+            </p:txBody>
+          </p:sp>
+          <p:sp>
+            <p:nvSpPr>
+              <p:cNvPr id="10" name="Line 14"/>
+              <p:cNvSpPr>
+                <a:spLocks noChangeShapeType="1"/>
+              </p:cNvSpPr>
+              <p:nvPr/>
+            </p:nvSpPr>
+            <p:spPr bwMode="auto">
+              <a:xfrm>
+                <a:off x="3261" y="1584"/>
+                <a:ext cx="0" cy="336"/>
+              </a:xfrm>
+              <a:prstGeom prst="line">
+                <a:avLst/>
+              </a:prstGeom>
+              <a:noFill/>
+              <a:ln w="9525">
+                <a:solidFill>
+                  <a:schemeClr val="tx1"/>
+                </a:solidFill>
+                <a:round/>
+                <a:headEnd/>
+                <a:tailEnd type="triangle" w="med" len="med"/>
+              </a:ln>
+              <a:effectLst/>
+            </p:spPr>
+            <p:txBody>
+              <a:bodyPr wrap="none" anchor="ctr"/>
+              <a:lstStyle/>
+              <a:p>
+                <a:endParaRPr lang="en-US"/>
+              </a:p>
+            </p:txBody>
+          </p:sp>
+          <p:sp>
+            <p:nvSpPr>
+              <p:cNvPr id="11" name="Text Box 15"/>
+              <p:cNvSpPr txBox="1">
+                <a:spLocks noChangeArrowheads="1"/>
+              </p:cNvSpPr>
+              <p:nvPr/>
+            </p:nvSpPr>
+            <p:spPr bwMode="auto">
+              <a:xfrm>
+                <a:off x="2501" y="1872"/>
+                <a:ext cx="540" cy="291"/>
+              </a:xfrm>
+              <a:prstGeom prst="rect">
+                <a:avLst/>
+              </a:prstGeom>
+              <a:noFill/>
+              <a:ln w="9525">
+                <a:noFill/>
+                <a:miter lim="800000"/>
+                <a:headEnd/>
+                <a:tailEnd/>
+              </a:ln>
+              <a:effectLst/>
+            </p:spPr>
+            <p:txBody>
+              <a:bodyPr wrap="none">
+                <a:spAutoFit/>
+              </a:bodyPr>
+              <a:lstStyle/>
+              <a:p>
+                <a:r>
+                  <a:rPr lang="en-US" sz="2400" b="1" dirty="0">
+                    <a:latin typeface="Consolas" pitchFamily="49" charset="0"/>
+                    <a:cs typeface="Consolas" pitchFamily="49" charset="0"/>
+                  </a:rPr>
+                  <a:t>"</a:t>
+                </a:r>
+                <a:r>
+                  <a:rPr lang="en-US" sz="2400" b="1" dirty="0" err="1">
+                    <a:latin typeface="Consolas" pitchFamily="49" charset="0"/>
+                    <a:cs typeface="Consolas" pitchFamily="49" charset="0"/>
+                  </a:rPr>
+                  <a:t>alice</a:t>
+                </a:r>
+                <a:r>
+                  <a:rPr lang="en-US" sz="2400" b="1" dirty="0">
+                    <a:latin typeface="Consolas" pitchFamily="49" charset="0"/>
+                    <a:cs typeface="Consolas" pitchFamily="49" charset="0"/>
+                  </a:rPr>
+                  <a:t>"</a:t>
+                </a:r>
+                <a:endParaRPr lang="en-US" sz="2400" b="1" i="0" dirty="0">
+                  <a:latin typeface="Consolas" pitchFamily="49" charset="0"/>
+                  <a:cs typeface="Consolas" pitchFamily="49" charset="0"/>
+                </a:endParaRPr>
+              </a:p>
+            </p:txBody>
+          </p:sp>
+          <p:sp>
+            <p:nvSpPr>
+              <p:cNvPr id="12" name="Text Box 16"/>
+              <p:cNvSpPr txBox="1">
+                <a:spLocks noChangeArrowheads="1"/>
+              </p:cNvSpPr>
+              <p:nvPr/>
+            </p:nvSpPr>
+            <p:spPr bwMode="auto">
+              <a:xfrm>
+                <a:off x="3161" y="1872"/>
+                <a:ext cx="406" cy="291"/>
+              </a:xfrm>
+              <a:prstGeom prst="rect">
+                <a:avLst/>
+              </a:prstGeom>
+              <a:noFill/>
+              <a:ln w="9525">
+                <a:noFill/>
+                <a:miter lim="800000"/>
+                <a:headEnd/>
+                <a:tailEnd/>
+              </a:ln>
+              <a:effectLst/>
+            </p:spPr>
+            <p:txBody>
+              <a:bodyPr wrap="none">
+                <a:spAutoFit/>
+              </a:bodyPr>
+              <a:lstStyle/>
+              <a:p>
+                <a:r>
+                  <a:rPr lang="en-US" sz="2400" b="1" i="0" dirty="0">
+                    <a:latin typeface="Consolas" pitchFamily="49" charset="0"/>
+                    <a:cs typeface="Consolas" pitchFamily="49" charset="0"/>
+                  </a:rPr>
+                  <a:t>"bob"</a:t>
+                </a:r>
+              </a:p>
+            </p:txBody>
+          </p:sp>
+        </p:grpSp>
+        <p:sp>
+          <p:nvSpPr>
+            <p:cNvPr id="19" name="Line 13"/>
+            <p:cNvSpPr>
+              <a:spLocks noChangeShapeType="1"/>
+            </p:cNvSpPr>
+            <p:nvPr/>
+          </p:nvSpPr>
+          <p:spPr bwMode="auto">
+            <a:xfrm>
+              <a:off x="3853473" y="4044951"/>
+              <a:ext cx="0" cy="533400"/>
+            </a:xfrm>
+            <a:prstGeom prst="line">
+              <a:avLst/>
+            </a:prstGeom>
+            <a:noFill/>
+            <a:ln w="9525">
+              <a:solidFill>
+                <a:schemeClr val="tx1"/>
+              </a:solidFill>
+              <a:round/>
+              <a:headEnd/>
+              <a:tailEnd type="triangle" w="med" len="med"/>
+            </a:ln>
+            <a:effectLst/>
+          </p:spPr>
+          <p:txBody>
+            <a:bodyPr wrap="none" anchor="ctr"/>
+            <a:lstStyle/>
+            <a:p>
+              <a:endParaRPr lang="en-US"/>
+            </a:p>
+          </p:txBody>
+        </p:sp>
+      </p:grpSp>
     </p:spTree>
     <p:extLst>
       <p:ext uri="{BB962C8B-B14F-4D97-AF65-F5344CB8AC3E}">
